--- a/images/Scenarios of Projects.pptx
+++ b/images/Scenarios of Projects.pptx
@@ -10,7 +10,7 @@
     <p:notesMasterId r:id="rId6"/>
   </p:notesMasterIdLst>
   <p:sldIdLst>
-    <p:sldId id="257" r:id="rId4"/>
+    <p:sldId id="259" r:id="rId4"/>
     <p:sldId id="258" r:id="rId5"/>
   </p:sldIdLst>
   <p:sldSz cx="12192000" cy="6858000"/>
@@ -200,7 +200,7 @@
           <a:p>
             <a:fld id="{E1434AFA-CCCF-1B4B-BA52-918220D651D0}" type="datetimeFigureOut">
               <a:rPr lang="en-LU" smtClean="0"/>
-              <a:t>26/01/2025</a:t>
+              <a:t>19/02/2025</a:t>
             </a:fld>
             <a:endParaRPr lang="en-LU"/>
           </a:p>
@@ -2015,7 +2015,7 @@
           <a:p>
             <a:fld id="{2C7D0BFE-5D4B-9C41-8120-D58A76320D80}" type="datetimeFigureOut">
               <a:rPr lang="en-LU" smtClean="0"/>
-              <a:t>26/01/2025</a:t>
+              <a:t>19/02/2025</a:t>
             </a:fld>
             <a:endParaRPr lang="en-LU"/>
           </a:p>
@@ -2215,7 +2215,7 @@
           <a:p>
             <a:fld id="{2C7D0BFE-5D4B-9C41-8120-D58A76320D80}" type="datetimeFigureOut">
               <a:rPr lang="en-LU" smtClean="0"/>
-              <a:t>26/01/2025</a:t>
+              <a:t>19/02/2025</a:t>
             </a:fld>
             <a:endParaRPr lang="en-LU"/>
           </a:p>
@@ -2425,7 +2425,7 @@
           <a:p>
             <a:fld id="{2C7D0BFE-5D4B-9C41-8120-D58A76320D80}" type="datetimeFigureOut">
               <a:rPr lang="en-LU" smtClean="0"/>
-              <a:t>26/01/2025</a:t>
+              <a:t>19/02/2025</a:t>
             </a:fld>
             <a:endParaRPr lang="en-LU"/>
           </a:p>
@@ -7138,7 +7138,7 @@
           <a:p>
             <a:fld id="{2C7D0BFE-5D4B-9C41-8120-D58A76320D80}" type="datetimeFigureOut">
               <a:rPr lang="en-LU" smtClean="0"/>
-              <a:t>26/01/2025</a:t>
+              <a:t>19/02/2025</a:t>
             </a:fld>
             <a:endParaRPr lang="en-LU"/>
           </a:p>
@@ -13517,7 +13517,7 @@
           <a:p>
             <a:fld id="{2C7D0BFE-5D4B-9C41-8120-D58A76320D80}" type="datetimeFigureOut">
               <a:rPr lang="en-LU" smtClean="0"/>
-              <a:t>26/01/2025</a:t>
+              <a:t>19/02/2025</a:t>
             </a:fld>
             <a:endParaRPr lang="en-LU"/>
           </a:p>
@@ -16423,7 +16423,7 @@
           <a:p>
             <a:fld id="{2C7D0BFE-5D4B-9C41-8120-D58A76320D80}" type="datetimeFigureOut">
               <a:rPr lang="en-LU" smtClean="0"/>
-              <a:t>26/01/2025</a:t>
+              <a:t>19/02/2025</a:t>
             </a:fld>
             <a:endParaRPr lang="en-LU"/>
           </a:p>
@@ -16691,7 +16691,7 @@
           <a:p>
             <a:fld id="{2C7D0BFE-5D4B-9C41-8120-D58A76320D80}" type="datetimeFigureOut">
               <a:rPr lang="en-LU" smtClean="0"/>
-              <a:t>26/01/2025</a:t>
+              <a:t>19/02/2025</a:t>
             </a:fld>
             <a:endParaRPr lang="en-LU"/>
           </a:p>
@@ -17106,7 +17106,7 @@
           <a:p>
             <a:fld id="{2C7D0BFE-5D4B-9C41-8120-D58A76320D80}" type="datetimeFigureOut">
               <a:rPr lang="en-LU" smtClean="0"/>
-              <a:t>26/01/2025</a:t>
+              <a:t>19/02/2025</a:t>
             </a:fld>
             <a:endParaRPr lang="en-LU"/>
           </a:p>
@@ -17248,7 +17248,7 @@
           <a:p>
             <a:fld id="{2C7D0BFE-5D4B-9C41-8120-D58A76320D80}" type="datetimeFigureOut">
               <a:rPr lang="en-LU" smtClean="0"/>
-              <a:t>26/01/2025</a:t>
+              <a:t>19/02/2025</a:t>
             </a:fld>
             <a:endParaRPr lang="en-LU"/>
           </a:p>
@@ -17361,7 +17361,7 @@
           <a:p>
             <a:fld id="{2C7D0BFE-5D4B-9C41-8120-D58A76320D80}" type="datetimeFigureOut">
               <a:rPr lang="en-LU" smtClean="0"/>
-              <a:t>26/01/2025</a:t>
+              <a:t>19/02/2025</a:t>
             </a:fld>
             <a:endParaRPr lang="en-LU"/>
           </a:p>
@@ -17674,7 +17674,7 @@
           <a:p>
             <a:fld id="{2C7D0BFE-5D4B-9C41-8120-D58A76320D80}" type="datetimeFigureOut">
               <a:rPr lang="en-LU" smtClean="0"/>
-              <a:t>26/01/2025</a:t>
+              <a:t>19/02/2025</a:t>
             </a:fld>
             <a:endParaRPr lang="en-LU"/>
           </a:p>
@@ -17917,7 +17917,7 @@
           <a:p>
             <a:fld id="{2C7D0BFE-5D4B-9C41-8120-D58A76320D80}" type="datetimeFigureOut">
               <a:rPr lang="en-LU" smtClean="0"/>
-              <a:t>26/01/2025</a:t>
+              <a:t>19/02/2025</a:t>
             </a:fld>
             <a:endParaRPr lang="en-LU"/>
           </a:p>
@@ -21647,7 +21647,13 @@
   <p:cSld>
     <p:spTree>
       <p:nvGrpSpPr>
-        <p:cNvPr id="1" name=""/>
+        <p:cNvPr id="1" name="">
+          <a:extLst>
+            <a:ext uri="{FF2B5EF4-FFF2-40B4-BE49-F238E27FC236}">
+              <a16:creationId xmlns:a16="http://schemas.microsoft.com/office/drawing/2014/main" id="{627BBA69-EAC0-6F78-3F50-BAB450B7E85B}"/>
+            </a:ext>
+          </a:extLst>
+        </p:cNvPr>
         <p:cNvGrpSpPr/>
         <p:nvPr/>
       </p:nvGrpSpPr>
@@ -21664,7 +21670,7 @@
           <p:cNvPr id="4" name="Title 3">
             <a:extLst>
               <a:ext uri="{FF2B5EF4-FFF2-40B4-BE49-F238E27FC236}">
-                <a16:creationId xmlns:a16="http://schemas.microsoft.com/office/drawing/2014/main" id="{6A1B4EA8-0BBD-FE9C-6429-C70A9222700B}"/>
+                <a16:creationId xmlns:a16="http://schemas.microsoft.com/office/drawing/2014/main" id="{A8F063F5-B2E1-6E3C-CBD5-2ABAA5065FB0}"/>
               </a:ext>
             </a:extLst>
           </p:cNvPr>
@@ -21681,12 +21687,8 @@
           <a:lstStyle/>
           <a:p>
             <a:r>
-              <a:rPr lang="en-LU"/>
-              <a:t>Global Mutual-Help </a:t>
-            </a:r>
-            <a:r>
               <a:rPr lang="en-LU" dirty="0"/>
-              <a:t>Community</a:t>
+              <a:t>Global Mutual-Help Community, Augmented</a:t>
             </a:r>
           </a:p>
         </p:txBody>
@@ -21696,7 +21698,7 @@
           <p:cNvPr id="6" name="TextBox 5">
             <a:extLst>
               <a:ext uri="{FF2B5EF4-FFF2-40B4-BE49-F238E27FC236}">
-                <a16:creationId xmlns:a16="http://schemas.microsoft.com/office/drawing/2014/main" id="{DD248B73-E38A-FAB7-C260-809A732BB71E}"/>
+                <a16:creationId xmlns:a16="http://schemas.microsoft.com/office/drawing/2014/main" id="{75F31159-65BB-0758-A04B-55AB34AC6852}"/>
               </a:ext>
             </a:extLst>
           </p:cNvPr>
@@ -21705,8 +21707,8 @@
         </p:nvSpPr>
         <p:spPr>
           <a:xfrm>
-            <a:off x="2161091" y="1382503"/>
-            <a:ext cx="1376767" cy="523220"/>
+            <a:off x="1979805" y="1024158"/>
+            <a:ext cx="1680684" cy="584775"/>
           </a:xfrm>
           <a:prstGeom prst="rect">
             <a:avLst/>
@@ -21723,7 +21725,7 @@
           <a:lstStyle/>
           <a:p>
             <a:r>
-              <a:rPr lang="en-LU" sz="1400" dirty="0"/>
+              <a:rPr lang="en-LU" sz="1600" b="1" dirty="0"/>
               <a:t>Profiles of Persons in Need</a:t>
             </a:r>
           </a:p>
@@ -21734,7 +21736,7 @@
           <p:cNvPr id="31" name="TextBox 30">
             <a:extLst>
               <a:ext uri="{FF2B5EF4-FFF2-40B4-BE49-F238E27FC236}">
-                <a16:creationId xmlns:a16="http://schemas.microsoft.com/office/drawing/2014/main" id="{5908268C-1F19-22DA-4F6C-145BADAEF08E}"/>
+                <a16:creationId xmlns:a16="http://schemas.microsoft.com/office/drawing/2014/main" id="{EDA5F0AA-C996-CDE0-71CF-73E0E4B075C2}"/>
               </a:ext>
             </a:extLst>
           </p:cNvPr>
@@ -21743,7 +21745,7 @@
         </p:nvSpPr>
         <p:spPr>
           <a:xfrm>
-            <a:off x="2585632" y="2493023"/>
+            <a:off x="2585632" y="1924611"/>
             <a:ext cx="1376767" cy="523220"/>
           </a:xfrm>
           <a:prstGeom prst="rect">
@@ -21775,7 +21777,7 @@
           <p:cNvPr id="35" name="Straight Arrow Connector 34">
             <a:extLst>
               <a:ext uri="{FF2B5EF4-FFF2-40B4-BE49-F238E27FC236}">
-                <a16:creationId xmlns:a16="http://schemas.microsoft.com/office/drawing/2014/main" id="{4C068C18-C71F-32F3-0E5B-0A47A56D0E55}"/>
+                <a16:creationId xmlns:a16="http://schemas.microsoft.com/office/drawing/2014/main" id="{A93B190B-E083-1690-30E5-0BE724BD5ED2}"/>
               </a:ext>
             </a:extLst>
           </p:cNvPr>
@@ -21788,8 +21790,8 @@
         </p:nvCxnSpPr>
         <p:spPr>
           <a:xfrm>
-            <a:off x="2849475" y="1905723"/>
-            <a:ext cx="424541" cy="587300"/>
+            <a:off x="2820147" y="1608933"/>
+            <a:ext cx="453869" cy="315678"/>
           </a:xfrm>
           <a:prstGeom prst="straightConnector1">
             <a:avLst/>
@@ -21818,7 +21820,7 @@
           <p:cNvPr id="37" name="TextBox 36">
             <a:extLst>
               <a:ext uri="{FF2B5EF4-FFF2-40B4-BE49-F238E27FC236}">
-                <a16:creationId xmlns:a16="http://schemas.microsoft.com/office/drawing/2014/main" id="{C623A00F-7218-994E-4CCA-0F497BF8CDAF}"/>
+                <a16:creationId xmlns:a16="http://schemas.microsoft.com/office/drawing/2014/main" id="{B688C2BB-250B-CD87-867E-0D38CD1CC873}"/>
               </a:ext>
             </a:extLst>
           </p:cNvPr>
@@ -21827,7 +21829,7 @@
         </p:nvSpPr>
         <p:spPr>
           <a:xfrm>
-            <a:off x="4861336" y="1676152"/>
+            <a:off x="4861336" y="1107740"/>
             <a:ext cx="1376767" cy="523220"/>
           </a:xfrm>
           <a:prstGeom prst="rect">
@@ -21859,7 +21861,7 @@
           <p:cNvPr id="39" name="Arc 38">
             <a:extLst>
               <a:ext uri="{FF2B5EF4-FFF2-40B4-BE49-F238E27FC236}">
-                <a16:creationId xmlns:a16="http://schemas.microsoft.com/office/drawing/2014/main" id="{579321B7-4F14-DEAB-9F28-35BE0179B22C}"/>
+                <a16:creationId xmlns:a16="http://schemas.microsoft.com/office/drawing/2014/main" id="{024CB3A5-36DC-0A5E-CB6C-E9CC870C75F6}"/>
               </a:ext>
             </a:extLst>
           </p:cNvPr>
@@ -21868,7 +21870,7 @@
         </p:nvSpPr>
         <p:spPr>
           <a:xfrm rot="16200000">
-            <a:off x="4306076" y="1247469"/>
+            <a:off x="4306076" y="679057"/>
             <a:ext cx="1110520" cy="2491107"/>
           </a:xfrm>
           <a:prstGeom prst="arc">
@@ -21907,7 +21909,7 @@
           <p:cNvPr id="40" name="TextBox 39">
             <a:extLst>
               <a:ext uri="{FF2B5EF4-FFF2-40B4-BE49-F238E27FC236}">
-                <a16:creationId xmlns:a16="http://schemas.microsoft.com/office/drawing/2014/main" id="{29EB123A-A3D0-8EF9-8965-3BB3DA92F48F}"/>
+                <a16:creationId xmlns:a16="http://schemas.microsoft.com/office/drawing/2014/main" id="{96F3565C-C2E4-A428-E563-76E8565797A9}"/>
               </a:ext>
             </a:extLst>
           </p:cNvPr>
@@ -21916,7 +21918,7 @@
         </p:nvSpPr>
         <p:spPr>
           <a:xfrm>
-            <a:off x="6923082" y="2493022"/>
+            <a:off x="6923082" y="1924610"/>
             <a:ext cx="1376767" cy="523220"/>
           </a:xfrm>
           <a:prstGeom prst="rect">
@@ -21948,7 +21950,7 @@
           <p:cNvPr id="41" name="TextBox 40">
             <a:extLst>
               <a:ext uri="{FF2B5EF4-FFF2-40B4-BE49-F238E27FC236}">
-                <a16:creationId xmlns:a16="http://schemas.microsoft.com/office/drawing/2014/main" id="{EE895C9B-79F9-0C67-D0F2-8185F806ECF2}"/>
+                <a16:creationId xmlns:a16="http://schemas.microsoft.com/office/drawing/2014/main" id="{51642D7C-E721-91C0-6B96-2AF9BA1C0657}"/>
               </a:ext>
             </a:extLst>
           </p:cNvPr>
@@ -21957,7 +21959,7 @@
         </p:nvSpPr>
         <p:spPr>
           <a:xfrm>
-            <a:off x="8796758" y="1937762"/>
+            <a:off x="8796758" y="1369350"/>
             <a:ext cx="1642641" cy="307777"/>
           </a:xfrm>
           <a:prstGeom prst="rect">
@@ -21986,7 +21988,7 @@
           <p:cNvPr id="44" name="Arc 43">
             <a:extLst>
               <a:ext uri="{FF2B5EF4-FFF2-40B4-BE49-F238E27FC236}">
-                <a16:creationId xmlns:a16="http://schemas.microsoft.com/office/drawing/2014/main" id="{6A0281E1-5E9B-385E-6F49-AEB015EB2CE1}"/>
+                <a16:creationId xmlns:a16="http://schemas.microsoft.com/office/drawing/2014/main" id="{361BA3F9-B6C3-466A-B3E4-23A6116E7910}"/>
               </a:ext>
             </a:extLst>
           </p:cNvPr>
@@ -21995,7 +21997,7 @@
         </p:nvSpPr>
         <p:spPr>
           <a:xfrm rot="5400000" flipH="1">
-            <a:off x="5740636" y="1247469"/>
+            <a:off x="5740636" y="679057"/>
             <a:ext cx="1110520" cy="2491107"/>
           </a:xfrm>
           <a:prstGeom prst="arc">
@@ -22037,7 +22039,7 @@
           <p:cNvPr id="50" name="Straight Arrow Connector 49">
             <a:extLst>
               <a:ext uri="{FF2B5EF4-FFF2-40B4-BE49-F238E27FC236}">
-                <a16:creationId xmlns:a16="http://schemas.microsoft.com/office/drawing/2014/main" id="{7139066E-FAB5-1B65-198D-743E8BA81E9D}"/>
+                <a16:creationId xmlns:a16="http://schemas.microsoft.com/office/drawing/2014/main" id="{02C67D3E-B47A-4347-07D1-A5507C98D99F}"/>
               </a:ext>
             </a:extLst>
           </p:cNvPr>
@@ -22050,7 +22052,7 @@
         </p:nvCxnSpPr>
         <p:spPr>
           <a:xfrm flipV="1">
-            <a:off x="8299849" y="2091651"/>
+            <a:off x="8299849" y="1523239"/>
             <a:ext cx="496909" cy="662981"/>
           </a:xfrm>
           <a:prstGeom prst="straightConnector1">
@@ -22080,7 +22082,7 @@
           <p:cNvPr id="53" name="Arc 52">
             <a:extLst>
               <a:ext uri="{FF2B5EF4-FFF2-40B4-BE49-F238E27FC236}">
-                <a16:creationId xmlns:a16="http://schemas.microsoft.com/office/drawing/2014/main" id="{F280C263-394C-05C0-3ADA-B92FBFD4B706}"/>
+                <a16:creationId xmlns:a16="http://schemas.microsoft.com/office/drawing/2014/main" id="{F9F8D3D7-ED27-C133-4C1C-0B3483B08ADF}"/>
               </a:ext>
             </a:extLst>
           </p:cNvPr>
@@ -22089,7 +22091,7 @@
         </p:nvSpPr>
         <p:spPr>
           <a:xfrm rot="5400000" flipV="1">
-            <a:off x="5040862" y="1067945"/>
+            <a:off x="5040862" y="499533"/>
             <a:ext cx="1110520" cy="3960675"/>
           </a:xfrm>
           <a:prstGeom prst="arc">
@@ -22131,10 +22133,10 @@
       </p:sp>
       <p:sp>
         <p:nvSpPr>
-          <p:cNvPr id="54" name="TextBox 53">
+          <p:cNvPr id="60" name="TextBox 59">
             <a:extLst>
               <a:ext uri="{FF2B5EF4-FFF2-40B4-BE49-F238E27FC236}">
-                <a16:creationId xmlns:a16="http://schemas.microsoft.com/office/drawing/2014/main" id="{9E8AA2C0-8281-815D-0BA9-0888DA625305}"/>
+                <a16:creationId xmlns:a16="http://schemas.microsoft.com/office/drawing/2014/main" id="{29FFDF49-ED75-4008-1445-8E98144D982F}"/>
               </a:ext>
             </a:extLst>
           </p:cNvPr>
@@ -22143,7 +22145,88 @@
         </p:nvSpPr>
         <p:spPr>
           <a:xfrm>
-            <a:off x="682672" y="4788269"/>
+            <a:off x="7361660" y="3137410"/>
+            <a:ext cx="1001769" cy="307777"/>
+          </a:xfrm>
+          <a:prstGeom prst="rect">
+            <a:avLst/>
+          </a:prstGeom>
+          <a:noFill/>
+          <a:ln>
+            <a:noFill/>
+          </a:ln>
+        </p:spPr>
+        <p:txBody>
+          <a:bodyPr wrap="square" rtlCol="0">
+            <a:spAutoFit/>
+          </a:bodyPr>
+          <a:lstStyle/>
+          <a:p>
+            <a:r>
+              <a:rPr lang="en-LU" sz="1400" dirty="0"/>
+              <a:t>Vector DB</a:t>
+            </a:r>
+          </a:p>
+        </p:txBody>
+      </p:sp>
+      <p:cxnSp>
+        <p:nvCxnSpPr>
+          <p:cNvPr id="70" name="Straight Arrow Connector 69">
+            <a:extLst>
+              <a:ext uri="{FF2B5EF4-FFF2-40B4-BE49-F238E27FC236}">
+                <a16:creationId xmlns:a16="http://schemas.microsoft.com/office/drawing/2014/main" id="{89638C9C-9F61-BD43-B556-DE7BC0B095AE}"/>
+              </a:ext>
+            </a:extLst>
+          </p:cNvPr>
+          <p:cNvCxnSpPr>
+            <a:cxnSpLocks/>
+            <a:stCxn id="60" idx="0"/>
+          </p:cNvCxnSpPr>
+          <p:nvPr/>
+        </p:nvCxnSpPr>
+        <p:spPr>
+          <a:xfrm flipV="1">
+            <a:off x="7862545" y="2447830"/>
+            <a:ext cx="244959" cy="689580"/>
+          </a:xfrm>
+          <a:prstGeom prst="straightConnector1">
+            <a:avLst/>
+          </a:prstGeom>
+          <a:ln>
+            <a:headEnd type="triangle" w="med" len="med"/>
+            <a:tailEnd type="none" w="med" len="med"/>
+          </a:ln>
+        </p:spPr>
+        <p:style>
+          <a:lnRef idx="1">
+            <a:schemeClr val="accent1"/>
+          </a:lnRef>
+          <a:fillRef idx="0">
+            <a:schemeClr val="accent1"/>
+          </a:fillRef>
+          <a:effectRef idx="0">
+            <a:schemeClr val="accent1"/>
+          </a:effectRef>
+          <a:fontRef idx="minor">
+            <a:schemeClr val="tx1"/>
+          </a:fontRef>
+        </p:style>
+      </p:cxnSp>
+      <p:sp>
+        <p:nvSpPr>
+          <p:cNvPr id="7" name="TextBox 6">
+            <a:extLst>
+              <a:ext uri="{FF2B5EF4-FFF2-40B4-BE49-F238E27FC236}">
+                <a16:creationId xmlns:a16="http://schemas.microsoft.com/office/drawing/2014/main" id="{C4048875-B2A5-2AEB-ECE8-B58DED14F489}"/>
+              </a:ext>
+            </a:extLst>
+          </p:cNvPr>
+          <p:cNvSpPr txBox="1"/>
+          <p:nvPr/>
+        </p:nvSpPr>
+        <p:spPr>
+          <a:xfrm>
+            <a:off x="6337494" y="4559861"/>
             <a:ext cx="1376767" cy="523220"/>
           </a:xfrm>
           <a:prstGeom prst="rect">
@@ -22161,7 +22244,7 @@
           <a:lstStyle/>
           <a:p>
             <a:r>
-              <a:rPr lang="en-LU" sz="1400" dirty="0"/>
+              <a:rPr lang="en-LU" sz="1400" b="1" dirty="0"/>
               <a:t>Persons in Need in distress</a:t>
             </a:r>
           </a:p>
@@ -22169,10 +22252,10 @@
       </p:sp>
       <p:sp>
         <p:nvSpPr>
-          <p:cNvPr id="55" name="TextBox 54">
+          <p:cNvPr id="8" name="TextBox 7">
             <a:extLst>
               <a:ext uri="{FF2B5EF4-FFF2-40B4-BE49-F238E27FC236}">
-                <a16:creationId xmlns:a16="http://schemas.microsoft.com/office/drawing/2014/main" id="{AAB0116F-9E97-F259-D160-A51D9D6BC764}"/>
+                <a16:creationId xmlns:a16="http://schemas.microsoft.com/office/drawing/2014/main" id="{4FD62E9A-53A0-FC41-A0AD-9858A206878E}"/>
               </a:ext>
             </a:extLst>
           </p:cNvPr>
@@ -22181,8 +22264,8 @@
         </p:nvSpPr>
         <p:spPr>
           <a:xfrm>
-            <a:off x="2574514" y="4788271"/>
-            <a:ext cx="1376767" cy="523220"/>
+            <a:off x="7866345" y="5056232"/>
+            <a:ext cx="1025012" cy="523220"/>
           </a:xfrm>
           <a:prstGeom prst="rect">
             <a:avLst/>
@@ -22210,24 +22293,24 @@
       </p:sp>
       <p:cxnSp>
         <p:nvCxnSpPr>
-          <p:cNvPr id="56" name="Straight Arrow Connector 55">
+          <p:cNvPr id="9" name="Straight Arrow Connector 8">
             <a:extLst>
               <a:ext uri="{FF2B5EF4-FFF2-40B4-BE49-F238E27FC236}">
-                <a16:creationId xmlns:a16="http://schemas.microsoft.com/office/drawing/2014/main" id="{253CF4D1-3197-F84A-5AC2-BA63553F7F36}"/>
+                <a16:creationId xmlns:a16="http://schemas.microsoft.com/office/drawing/2014/main" id="{1D5194AC-6516-13F6-CB07-22BED3563434}"/>
               </a:ext>
             </a:extLst>
           </p:cNvPr>
           <p:cNvCxnSpPr>
             <a:cxnSpLocks/>
-            <a:stCxn id="54" idx="3"/>
-            <a:endCxn id="55" idx="1"/>
+            <a:stCxn id="7" idx="3"/>
+            <a:endCxn id="11" idx="0"/>
           </p:cNvCxnSpPr>
           <p:nvPr/>
         </p:nvCxnSpPr>
         <p:spPr>
           <a:xfrm>
-            <a:off x="2059439" y="5049879"/>
-            <a:ext cx="515075" cy="2"/>
+            <a:off x="7714261" y="4821471"/>
+            <a:ext cx="559717" cy="268341"/>
           </a:xfrm>
           <a:prstGeom prst="straightConnector1">
             <a:avLst/>
@@ -22253,10 +22336,10 @@
       </p:cxnSp>
       <p:sp>
         <p:nvSpPr>
-          <p:cNvPr id="57" name="TextBox 56">
+          <p:cNvPr id="10" name="TextBox 9">
             <a:extLst>
               <a:ext uri="{FF2B5EF4-FFF2-40B4-BE49-F238E27FC236}">
-                <a16:creationId xmlns:a16="http://schemas.microsoft.com/office/drawing/2014/main" id="{67C660CF-A469-8359-CC9F-9298D2302660}"/>
+                <a16:creationId xmlns:a16="http://schemas.microsoft.com/office/drawing/2014/main" id="{30F5000F-F004-F58A-EC6F-66674F2E2017}"/>
               </a:ext>
             </a:extLst>
           </p:cNvPr>
@@ -22265,7 +22348,7 @@
         </p:nvSpPr>
         <p:spPr>
           <a:xfrm>
-            <a:off x="4850218" y="3971400"/>
+            <a:off x="8950028" y="4239361"/>
             <a:ext cx="1376767" cy="523220"/>
           </a:xfrm>
           <a:prstGeom prst="rect">
@@ -22294,10 +22377,10 @@
       </p:sp>
       <p:sp>
         <p:nvSpPr>
-          <p:cNvPr id="58" name="Arc 57">
+          <p:cNvPr id="11" name="Arc 10">
             <a:extLst>
               <a:ext uri="{FF2B5EF4-FFF2-40B4-BE49-F238E27FC236}">
-                <a16:creationId xmlns:a16="http://schemas.microsoft.com/office/drawing/2014/main" id="{23838459-9BB8-738C-2AF8-E78409CDFDF0}"/>
+                <a16:creationId xmlns:a16="http://schemas.microsoft.com/office/drawing/2014/main" id="{5F32EEC0-2F28-6095-90CE-6B0F6343BAB5}"/>
               </a:ext>
             </a:extLst>
           </p:cNvPr>
@@ -22306,11 +22389,14 @@
         </p:nvSpPr>
         <p:spPr>
           <a:xfrm rot="16200000">
-            <a:off x="4294958" y="3542717"/>
-            <a:ext cx="1110520" cy="2491107"/>
+            <a:off x="8447664" y="4386151"/>
+            <a:ext cx="1051629" cy="1399046"/>
           </a:xfrm>
           <a:prstGeom prst="arc">
-            <a:avLst/>
+            <a:avLst>
+              <a:gd name="adj1" fmla="val 16179668"/>
+              <a:gd name="adj2" fmla="val 0"/>
+            </a:avLst>
           </a:prstGeom>
           <a:ln>
             <a:headEnd type="none" w="med" len="med"/>
@@ -22342,10 +22428,10 @@
       </p:sp>
       <p:sp>
         <p:nvSpPr>
-          <p:cNvPr id="59" name="TextBox 58">
+          <p:cNvPr id="12" name="TextBox 11">
             <a:extLst>
               <a:ext uri="{FF2B5EF4-FFF2-40B4-BE49-F238E27FC236}">
-                <a16:creationId xmlns:a16="http://schemas.microsoft.com/office/drawing/2014/main" id="{B5895110-FBB8-2BC5-AED7-9E4B270DDE85}"/>
+                <a16:creationId xmlns:a16="http://schemas.microsoft.com/office/drawing/2014/main" id="{E7B86F32-346B-25AE-66D8-6CDCCECCC451}"/>
               </a:ext>
             </a:extLst>
           </p:cNvPr>
@@ -22354,7 +22440,7 @@
         </p:nvSpPr>
         <p:spPr>
           <a:xfrm>
-            <a:off x="6911964" y="4788270"/>
+            <a:off x="10381573" y="5056231"/>
             <a:ext cx="1376767" cy="523220"/>
           </a:xfrm>
           <a:prstGeom prst="rect">
@@ -22383,48 +22469,10 @@
       </p:sp>
       <p:sp>
         <p:nvSpPr>
-          <p:cNvPr id="60" name="TextBox 59">
+          <p:cNvPr id="13" name="Arc 12">
             <a:extLst>
               <a:ext uri="{FF2B5EF4-FFF2-40B4-BE49-F238E27FC236}">
-                <a16:creationId xmlns:a16="http://schemas.microsoft.com/office/drawing/2014/main" id="{A7D02B3E-342B-EA98-1F97-8162CB613B1F}"/>
-              </a:ext>
-            </a:extLst>
-          </p:cNvPr>
-          <p:cNvSpPr txBox="1"/>
-          <p:nvPr/>
-        </p:nvSpPr>
-        <p:spPr>
-          <a:xfrm>
-            <a:off x="8618275" y="3741717"/>
-            <a:ext cx="1642641" cy="307777"/>
-          </a:xfrm>
-          <a:prstGeom prst="rect">
-            <a:avLst/>
-          </a:prstGeom>
-          <a:noFill/>
-          <a:ln>
-            <a:noFill/>
-          </a:ln>
-        </p:spPr>
-        <p:txBody>
-          <a:bodyPr wrap="square" rtlCol="0">
-            <a:spAutoFit/>
-          </a:bodyPr>
-          <a:lstStyle/>
-          <a:p>
-            <a:r>
-              <a:rPr lang="en-LU" sz="1400" dirty="0"/>
-              <a:t>Vector DB</a:t>
-            </a:r>
-          </a:p>
-        </p:txBody>
-      </p:sp>
-      <p:sp>
-        <p:nvSpPr>
-          <p:cNvPr id="61" name="Arc 60">
-            <a:extLst>
-              <a:ext uri="{FF2B5EF4-FFF2-40B4-BE49-F238E27FC236}">
-                <a16:creationId xmlns:a16="http://schemas.microsoft.com/office/drawing/2014/main" id="{84342467-8439-89DE-7C01-14F01DC9DA9E}"/>
+                <a16:creationId xmlns:a16="http://schemas.microsoft.com/office/drawing/2014/main" id="{D90CE42B-8128-6643-0CCD-051CD76CA847}"/>
               </a:ext>
             </a:extLst>
           </p:cNvPr>
@@ -22433,8 +22481,8 @@
         </p:nvSpPr>
         <p:spPr>
           <a:xfrm rot="5400000" flipH="1">
-            <a:off x="5729518" y="3542717"/>
-            <a:ext cx="1110520" cy="2491107"/>
+            <a:off x="9556887" y="4168438"/>
+            <a:ext cx="1110520" cy="1775587"/>
           </a:xfrm>
           <a:prstGeom prst="arc">
             <a:avLst/>
@@ -22470,54 +22518,12 @@
           </a:p>
         </p:txBody>
       </p:sp>
-      <p:cxnSp>
-        <p:nvCxnSpPr>
-          <p:cNvPr id="62" name="Straight Arrow Connector 61">
+      <p:sp>
+        <p:nvSpPr>
+          <p:cNvPr id="15" name="TextBox 14">
             <a:extLst>
               <a:ext uri="{FF2B5EF4-FFF2-40B4-BE49-F238E27FC236}">
-                <a16:creationId xmlns:a16="http://schemas.microsoft.com/office/drawing/2014/main" id="{08C3003B-FC06-A314-8C09-C4C360EB2771}"/>
-              </a:ext>
-            </a:extLst>
-          </p:cNvPr>
-          <p:cNvCxnSpPr>
-            <a:cxnSpLocks/>
-          </p:cNvCxnSpPr>
-          <p:nvPr/>
-        </p:nvCxnSpPr>
-        <p:spPr>
-          <a:xfrm flipV="1">
-            <a:off x="8142514" y="4049494"/>
-            <a:ext cx="668382" cy="738776"/>
-          </a:xfrm>
-          <a:prstGeom prst="straightConnector1">
-            <a:avLst/>
-          </a:prstGeom>
-          <a:ln>
-            <a:headEnd type="triangle" w="med" len="med"/>
-            <a:tailEnd type="none" w="med" len="med"/>
-          </a:ln>
-        </p:spPr>
-        <p:style>
-          <a:lnRef idx="1">
-            <a:schemeClr val="accent1"/>
-          </a:lnRef>
-          <a:fillRef idx="0">
-            <a:schemeClr val="accent1"/>
-          </a:fillRef>
-          <a:effectRef idx="0">
-            <a:schemeClr val="accent1"/>
-          </a:effectRef>
-          <a:fontRef idx="minor">
-            <a:schemeClr val="tx1"/>
-          </a:fontRef>
-        </p:style>
-      </p:cxnSp>
-      <p:sp>
-        <p:nvSpPr>
-          <p:cNvPr id="67" name="TextBox 66">
-            <a:extLst>
-              <a:ext uri="{FF2B5EF4-FFF2-40B4-BE49-F238E27FC236}">
-                <a16:creationId xmlns:a16="http://schemas.microsoft.com/office/drawing/2014/main" id="{DD77E1C5-AD78-0245-8297-84D708486DA5}"/>
+                <a16:creationId xmlns:a16="http://schemas.microsoft.com/office/drawing/2014/main" id="{523B7867-72D6-68CB-2833-EBDB884A11FB}"/>
               </a:ext>
             </a:extLst>
           </p:cNvPr>
@@ -22526,7 +22532,7 @@
         </p:nvSpPr>
         <p:spPr>
           <a:xfrm>
-            <a:off x="4708329" y="5637181"/>
+            <a:off x="8622784" y="5905142"/>
             <a:ext cx="1775585" cy="523220"/>
           </a:xfrm>
           <a:prstGeom prst="rect">
@@ -22553,54 +22559,12 @@
           </a:p>
         </p:txBody>
       </p:sp>
-      <p:cxnSp>
-        <p:nvCxnSpPr>
-          <p:cNvPr id="70" name="Straight Arrow Connector 69">
+      <p:sp>
+        <p:nvSpPr>
+          <p:cNvPr id="16" name="Arc 15">
             <a:extLst>
               <a:ext uri="{FF2B5EF4-FFF2-40B4-BE49-F238E27FC236}">
-                <a16:creationId xmlns:a16="http://schemas.microsoft.com/office/drawing/2014/main" id="{8D696A23-343F-FDCA-F539-64B82B96FBB0}"/>
-              </a:ext>
-            </a:extLst>
-          </p:cNvPr>
-          <p:cNvCxnSpPr>
-            <a:cxnSpLocks/>
-          </p:cNvCxnSpPr>
-          <p:nvPr/>
-        </p:nvCxnSpPr>
-        <p:spPr>
-          <a:xfrm flipH="1" flipV="1">
-            <a:off x="8107504" y="3016242"/>
-            <a:ext cx="758399" cy="738776"/>
-          </a:xfrm>
-          <a:prstGeom prst="straightConnector1">
-            <a:avLst/>
-          </a:prstGeom>
-          <a:ln>
-            <a:headEnd type="triangle" w="med" len="med"/>
-            <a:tailEnd type="none" w="med" len="med"/>
-          </a:ln>
-        </p:spPr>
-        <p:style>
-          <a:lnRef idx="1">
-            <a:schemeClr val="accent1"/>
-          </a:lnRef>
-          <a:fillRef idx="0">
-            <a:schemeClr val="accent1"/>
-          </a:fillRef>
-          <a:effectRef idx="0">
-            <a:schemeClr val="accent1"/>
-          </a:effectRef>
-          <a:fontRef idx="minor">
-            <a:schemeClr val="tx1"/>
-          </a:fontRef>
-        </p:style>
-      </p:cxnSp>
-      <p:sp>
-        <p:nvSpPr>
-          <p:cNvPr id="73" name="Arc 72">
-            <a:extLst>
-              <a:ext uri="{FF2B5EF4-FFF2-40B4-BE49-F238E27FC236}">
-                <a16:creationId xmlns:a16="http://schemas.microsoft.com/office/drawing/2014/main" id="{04E5A1FD-F2AC-CC88-1BD8-282240A811F4}"/>
+                <a16:creationId xmlns:a16="http://schemas.microsoft.com/office/drawing/2014/main" id="{B580BD02-94AE-603E-950B-4609FB03BBCC}"/>
               </a:ext>
             </a:extLst>
           </p:cNvPr>
@@ -22609,8 +22573,8 @@
         </p:nvSpPr>
         <p:spPr>
           <a:xfrm rot="5400000" flipH="1">
-            <a:off x="5918069" y="4223065"/>
-            <a:ext cx="1110520" cy="2278660"/>
+            <a:off x="9774020" y="4877369"/>
+            <a:ext cx="1207228" cy="1409266"/>
           </a:xfrm>
           <a:prstGeom prst="arc">
             <a:avLst>
@@ -22651,10 +22615,10 @@
       </p:sp>
       <p:sp>
         <p:nvSpPr>
-          <p:cNvPr id="75" name="TextBox 74">
+          <p:cNvPr id="17" name="TextBox 16">
             <a:extLst>
               <a:ext uri="{FF2B5EF4-FFF2-40B4-BE49-F238E27FC236}">
-                <a16:creationId xmlns:a16="http://schemas.microsoft.com/office/drawing/2014/main" id="{FEB19B83-27BB-55C9-08F8-1FB8D2B38CF2}"/>
+                <a16:creationId xmlns:a16="http://schemas.microsoft.com/office/drawing/2014/main" id="{5F80F746-67DA-5032-FEB8-FF82483E0097}"/>
               </a:ext>
             </a:extLst>
           </p:cNvPr>
@@ -22663,8 +22627,8 @@
         </p:nvSpPr>
         <p:spPr>
           <a:xfrm>
-            <a:off x="8142514" y="5972997"/>
-            <a:ext cx="1642641" cy="307777"/>
+            <a:off x="10722431" y="6240958"/>
+            <a:ext cx="998838" cy="523220"/>
           </a:xfrm>
           <a:prstGeom prst="rect">
             <a:avLst/>
@@ -22689,24 +22653,23 @@
       </p:sp>
       <p:cxnSp>
         <p:nvCxnSpPr>
-          <p:cNvPr id="76" name="Straight Arrow Connector 75">
+          <p:cNvPr id="18" name="Straight Arrow Connector 17">
             <a:extLst>
               <a:ext uri="{FF2B5EF4-FFF2-40B4-BE49-F238E27FC236}">
-                <a16:creationId xmlns:a16="http://schemas.microsoft.com/office/drawing/2014/main" id="{427FBF8C-0025-583C-05AF-CABF621E55E1}"/>
+                <a16:creationId xmlns:a16="http://schemas.microsoft.com/office/drawing/2014/main" id="{A62F74ED-6CCE-8947-E7A8-0BE247AD2435}"/>
               </a:ext>
             </a:extLst>
           </p:cNvPr>
           <p:cNvCxnSpPr>
             <a:cxnSpLocks/>
-            <a:stCxn id="67" idx="3"/>
-            <a:endCxn id="75" idx="1"/>
+            <a:stCxn id="15" idx="3"/>
           </p:cNvCxnSpPr>
           <p:nvPr/>
         </p:nvCxnSpPr>
         <p:spPr>
           <a:xfrm>
-            <a:off x="6483914" y="5898791"/>
-            <a:ext cx="1658600" cy="228095"/>
+            <a:off x="10398369" y="6166752"/>
+            <a:ext cx="398203" cy="228095"/>
           </a:xfrm>
           <a:prstGeom prst="straightConnector1">
             <a:avLst/>
@@ -22733,10 +22696,10 @@
       </p:cxnSp>
       <p:sp>
         <p:nvSpPr>
-          <p:cNvPr id="79" name="Arc 78">
+          <p:cNvPr id="19" name="Arc 18">
             <a:extLst>
               <a:ext uri="{FF2B5EF4-FFF2-40B4-BE49-F238E27FC236}">
-                <a16:creationId xmlns:a16="http://schemas.microsoft.com/office/drawing/2014/main" id="{5CFB17E3-1484-CE20-AFCA-834772211900}"/>
+                <a16:creationId xmlns:a16="http://schemas.microsoft.com/office/drawing/2014/main" id="{C9CDFEE4-F1B4-EE50-5DA5-B83EFF6D553D}"/>
               </a:ext>
             </a:extLst>
           </p:cNvPr>
@@ -22745,8 +22708,8 @@
         </p:nvSpPr>
         <p:spPr>
           <a:xfrm rot="16200000">
-            <a:off x="4110401" y="4250644"/>
-            <a:ext cx="1110520" cy="2185771"/>
+            <a:off x="8083270" y="5299989"/>
+            <a:ext cx="1077657" cy="655863"/>
           </a:xfrm>
           <a:prstGeom prst="arc">
             <a:avLst>
@@ -22784,24 +22747,686 @@
       </p:sp>
       <p:cxnSp>
         <p:nvCxnSpPr>
-          <p:cNvPr id="85" name="Elbow Connector 84">
+          <p:cNvPr id="20" name="Elbow Connector 19">
             <a:extLst>
               <a:ext uri="{FF2B5EF4-FFF2-40B4-BE49-F238E27FC236}">
-                <a16:creationId xmlns:a16="http://schemas.microsoft.com/office/drawing/2014/main" id="{E25E8584-408A-AEE4-5481-06E7C7FE05DF}"/>
+                <a16:creationId xmlns:a16="http://schemas.microsoft.com/office/drawing/2014/main" id="{8B93CA90-9B6D-0CC8-336F-6A1E8FFD52CD}"/>
               </a:ext>
             </a:extLst>
           </p:cNvPr>
           <p:cNvCxnSpPr>
             <a:cxnSpLocks/>
-            <a:stCxn id="67" idx="1"/>
-            <a:endCxn id="54" idx="2"/>
+            <a:stCxn id="15" idx="1"/>
+            <a:endCxn id="7" idx="2"/>
           </p:cNvCxnSpPr>
           <p:nvPr/>
         </p:nvCxnSpPr>
         <p:spPr>
           <a:xfrm rot="10800000">
-            <a:off x="1371057" y="5311489"/>
-            <a:ext cx="3337273" cy="587302"/>
+            <a:off x="7025878" y="5083082"/>
+            <a:ext cx="1596906" cy="1083671"/>
+          </a:xfrm>
+          <a:prstGeom prst="bentConnector2">
+            <a:avLst/>
+          </a:prstGeom>
+          <a:ln>
+            <a:tailEnd type="triangle"/>
+          </a:ln>
+        </p:spPr>
+        <p:style>
+          <a:lnRef idx="1">
+            <a:schemeClr val="accent1"/>
+          </a:lnRef>
+          <a:fillRef idx="0">
+            <a:schemeClr val="accent1"/>
+          </a:fillRef>
+          <a:effectRef idx="0">
+            <a:schemeClr val="accent1"/>
+          </a:effectRef>
+          <a:fontRef idx="minor">
+            <a:schemeClr val="tx1"/>
+          </a:fontRef>
+        </p:style>
+      </p:cxnSp>
+      <p:sp>
+        <p:nvSpPr>
+          <p:cNvPr id="29" name="TextBox 28">
+            <a:extLst>
+              <a:ext uri="{FF2B5EF4-FFF2-40B4-BE49-F238E27FC236}">
+                <a16:creationId xmlns:a16="http://schemas.microsoft.com/office/drawing/2014/main" id="{87116395-8709-D3D4-6511-303DE0D6DFA7}"/>
+              </a:ext>
+            </a:extLst>
+          </p:cNvPr>
+          <p:cNvSpPr txBox="1"/>
+          <p:nvPr/>
+        </p:nvSpPr>
+        <p:spPr>
+          <a:xfrm>
+            <a:off x="595859" y="4337804"/>
+            <a:ext cx="1205080" cy="338554"/>
+          </a:xfrm>
+          <a:prstGeom prst="rect">
+            <a:avLst/>
+          </a:prstGeom>
+          <a:noFill/>
+          <a:ln>
+            <a:noFill/>
+          </a:ln>
+        </p:spPr>
+        <p:txBody>
+          <a:bodyPr wrap="square" rtlCol="0">
+            <a:spAutoFit/>
+          </a:bodyPr>
+          <a:lstStyle/>
+          <a:p>
+            <a:r>
+              <a:rPr lang="en-LU" sz="1600" b="1" dirty="0"/>
+              <a:t>Helper Org</a:t>
+            </a:r>
+          </a:p>
+        </p:txBody>
+      </p:sp>
+      <p:sp>
+        <p:nvSpPr>
+          <p:cNvPr id="30" name="TextBox 29">
+            <a:extLst>
+              <a:ext uri="{FF2B5EF4-FFF2-40B4-BE49-F238E27FC236}">
+                <a16:creationId xmlns:a16="http://schemas.microsoft.com/office/drawing/2014/main" id="{B3C08F3A-0202-90DF-B5E4-DFE464793416}"/>
+              </a:ext>
+            </a:extLst>
+          </p:cNvPr>
+          <p:cNvSpPr txBox="1"/>
+          <p:nvPr/>
+        </p:nvSpPr>
+        <p:spPr>
+          <a:xfrm>
+            <a:off x="1698625" y="5080946"/>
+            <a:ext cx="1045412" cy="523220"/>
+          </a:xfrm>
+          <a:prstGeom prst="rect">
+            <a:avLst/>
+          </a:prstGeom>
+          <a:noFill/>
+          <a:ln>
+            <a:solidFill>
+              <a:schemeClr val="accent1"/>
+            </a:solidFill>
+          </a:ln>
+        </p:spPr>
+        <p:txBody>
+          <a:bodyPr wrap="square" rtlCol="0" anchor="ctr" anchorCtr="0">
+            <a:noAutofit/>
+          </a:bodyPr>
+          <a:lstStyle/>
+          <a:p>
+            <a:pPr algn="ctr"/>
+            <a:r>
+              <a:rPr lang="en-LU" sz="1400" dirty="0"/>
+              <a:t>Initial State</a:t>
+            </a:r>
+          </a:p>
+        </p:txBody>
+      </p:sp>
+      <p:cxnSp>
+        <p:nvCxnSpPr>
+          <p:cNvPr id="32" name="Straight Arrow Connector 31">
+            <a:extLst>
+              <a:ext uri="{FF2B5EF4-FFF2-40B4-BE49-F238E27FC236}">
+                <a16:creationId xmlns:a16="http://schemas.microsoft.com/office/drawing/2014/main" id="{BAE1E022-BE03-B230-131A-DAA0D1ADD2DE}"/>
+              </a:ext>
+            </a:extLst>
+          </p:cNvPr>
+          <p:cNvCxnSpPr>
+            <a:cxnSpLocks/>
+            <a:stCxn id="29" idx="2"/>
+            <a:endCxn id="30" idx="1"/>
+          </p:cNvCxnSpPr>
+          <p:nvPr/>
+        </p:nvCxnSpPr>
+        <p:spPr>
+          <a:xfrm>
+            <a:off x="1198399" y="4676358"/>
+            <a:ext cx="500226" cy="666198"/>
+          </a:xfrm>
+          <a:prstGeom prst="straightConnector1">
+            <a:avLst/>
+          </a:prstGeom>
+          <a:ln>
+            <a:tailEnd type="triangle"/>
+          </a:ln>
+        </p:spPr>
+        <p:style>
+          <a:lnRef idx="1">
+            <a:schemeClr val="accent1"/>
+          </a:lnRef>
+          <a:fillRef idx="0">
+            <a:schemeClr val="accent1"/>
+          </a:fillRef>
+          <a:effectRef idx="0">
+            <a:schemeClr val="accent1"/>
+          </a:effectRef>
+          <a:fontRef idx="minor">
+            <a:schemeClr val="tx1"/>
+          </a:fontRef>
+        </p:style>
+      </p:cxnSp>
+      <p:sp>
+        <p:nvSpPr>
+          <p:cNvPr id="33" name="TextBox 32">
+            <a:extLst>
+              <a:ext uri="{FF2B5EF4-FFF2-40B4-BE49-F238E27FC236}">
+                <a16:creationId xmlns:a16="http://schemas.microsoft.com/office/drawing/2014/main" id="{43F46615-5AC6-7769-0481-CD3787418F6A}"/>
+              </a:ext>
+            </a:extLst>
+          </p:cNvPr>
+          <p:cNvSpPr txBox="1"/>
+          <p:nvPr/>
+        </p:nvSpPr>
+        <p:spPr>
+          <a:xfrm>
+            <a:off x="2802708" y="4264075"/>
+            <a:ext cx="1376767" cy="523220"/>
+          </a:xfrm>
+          <a:prstGeom prst="rect">
+            <a:avLst/>
+          </a:prstGeom>
+          <a:noFill/>
+          <a:ln>
+            <a:solidFill>
+              <a:schemeClr val="accent1"/>
+            </a:solidFill>
+          </a:ln>
+        </p:spPr>
+        <p:txBody>
+          <a:bodyPr wrap="square" rtlCol="0">
+            <a:spAutoFit/>
+          </a:bodyPr>
+          <a:lstStyle/>
+          <a:p>
+            <a:pPr algn="ctr"/>
+            <a:r>
+              <a:rPr lang="en-LU" sz="1400" dirty="0"/>
+              <a:t>Program Embedding</a:t>
+            </a:r>
+          </a:p>
+        </p:txBody>
+      </p:sp>
+      <p:sp>
+        <p:nvSpPr>
+          <p:cNvPr id="34" name="Arc 33">
+            <a:extLst>
+              <a:ext uri="{FF2B5EF4-FFF2-40B4-BE49-F238E27FC236}">
+                <a16:creationId xmlns:a16="http://schemas.microsoft.com/office/drawing/2014/main" id="{30CFCF1D-C8DE-D8B3-AE92-7B63F68C9ED9}"/>
+              </a:ext>
+            </a:extLst>
+          </p:cNvPr>
+          <p:cNvSpPr/>
+          <p:nvPr/>
+        </p:nvSpPr>
+        <p:spPr>
+          <a:xfrm rot="16200000">
+            <a:off x="2276361" y="4448170"/>
+            <a:ext cx="1110524" cy="1265544"/>
+          </a:xfrm>
+          <a:prstGeom prst="arc">
+            <a:avLst>
+              <a:gd name="adj1" fmla="val 16179668"/>
+              <a:gd name="adj2" fmla="val 0"/>
+            </a:avLst>
+          </a:prstGeom>
+          <a:ln>
+            <a:headEnd type="none" w="med" len="med"/>
+            <a:tailEnd type="triangle" w="med" len="med"/>
+          </a:ln>
+        </p:spPr>
+        <p:style>
+          <a:lnRef idx="1">
+            <a:schemeClr val="accent1"/>
+          </a:lnRef>
+          <a:fillRef idx="0">
+            <a:schemeClr val="accent1"/>
+          </a:fillRef>
+          <a:effectRef idx="0">
+            <a:schemeClr val="accent1"/>
+          </a:effectRef>
+          <a:fontRef idx="minor">
+            <a:schemeClr val="tx1"/>
+          </a:fontRef>
+        </p:style>
+        <p:txBody>
+          <a:bodyPr rtlCol="0" anchor="ctr"/>
+          <a:lstStyle/>
+          <a:p>
+            <a:pPr algn="ctr"/>
+            <a:endParaRPr lang="en-LU"/>
+          </a:p>
+        </p:txBody>
+      </p:sp>
+      <p:sp>
+        <p:nvSpPr>
+          <p:cNvPr id="36" name="TextBox 35">
+            <a:extLst>
+              <a:ext uri="{FF2B5EF4-FFF2-40B4-BE49-F238E27FC236}">
+                <a16:creationId xmlns:a16="http://schemas.microsoft.com/office/drawing/2014/main" id="{7A3E4ABD-4551-A61C-79AB-FCCC7B89B10A}"/>
+              </a:ext>
+            </a:extLst>
+          </p:cNvPr>
+          <p:cNvSpPr txBox="1"/>
+          <p:nvPr/>
+        </p:nvSpPr>
+        <p:spPr>
+          <a:xfrm>
+            <a:off x="4085974" y="5080945"/>
+            <a:ext cx="1376767" cy="523220"/>
+          </a:xfrm>
+          <a:prstGeom prst="rect">
+            <a:avLst/>
+          </a:prstGeom>
+          <a:noFill/>
+          <a:ln>
+            <a:solidFill>
+              <a:schemeClr val="accent1"/>
+            </a:solidFill>
+          </a:ln>
+        </p:spPr>
+        <p:txBody>
+          <a:bodyPr wrap="square" rtlCol="0">
+            <a:spAutoFit/>
+          </a:bodyPr>
+          <a:lstStyle/>
+          <a:p>
+            <a:pPr algn="ctr"/>
+            <a:r>
+              <a:rPr lang="en-LU" sz="1400" dirty="0"/>
+              <a:t>Retrieve Beneficiaries</a:t>
+            </a:r>
+          </a:p>
+        </p:txBody>
+      </p:sp>
+      <p:sp>
+        <p:nvSpPr>
+          <p:cNvPr id="38" name="Arc 37">
+            <a:extLst>
+              <a:ext uri="{FF2B5EF4-FFF2-40B4-BE49-F238E27FC236}">
+                <a16:creationId xmlns:a16="http://schemas.microsoft.com/office/drawing/2014/main" id="{5BDDB252-1ABF-3FE6-9AA5-87516BB263A9}"/>
+              </a:ext>
+            </a:extLst>
+          </p:cNvPr>
+          <p:cNvSpPr/>
+          <p:nvPr/>
+        </p:nvSpPr>
+        <p:spPr>
+          <a:xfrm rot="5400000" flipH="1">
+            <a:off x="3473493" y="4281060"/>
+            <a:ext cx="1144041" cy="1566251"/>
+          </a:xfrm>
+          <a:prstGeom prst="arc">
+            <a:avLst/>
+          </a:prstGeom>
+          <a:ln>
+            <a:solidFill>
+              <a:schemeClr val="accent1"/>
+            </a:solidFill>
+            <a:headEnd type="triangle" w="med" len="med"/>
+            <a:tailEnd type="none" w="med" len="med"/>
+          </a:ln>
+        </p:spPr>
+        <p:style>
+          <a:lnRef idx="1">
+            <a:schemeClr val="accent1"/>
+          </a:lnRef>
+          <a:fillRef idx="0">
+            <a:schemeClr val="accent1"/>
+          </a:fillRef>
+          <a:effectRef idx="0">
+            <a:schemeClr val="accent1"/>
+          </a:effectRef>
+          <a:fontRef idx="minor">
+            <a:schemeClr val="tx1"/>
+          </a:fontRef>
+        </p:style>
+        <p:txBody>
+          <a:bodyPr rtlCol="0" anchor="ctr"/>
+          <a:lstStyle/>
+          <a:p>
+            <a:pPr algn="ctr"/>
+            <a:endParaRPr lang="en-LU"/>
+          </a:p>
+        </p:txBody>
+      </p:sp>
+      <p:sp>
+        <p:nvSpPr>
+          <p:cNvPr id="42" name="TextBox 41">
+            <a:extLst>
+              <a:ext uri="{FF2B5EF4-FFF2-40B4-BE49-F238E27FC236}">
+                <a16:creationId xmlns:a16="http://schemas.microsoft.com/office/drawing/2014/main" id="{B3E5D369-0E34-6BD5-EAEE-C927BE3AC39C}"/>
+              </a:ext>
+            </a:extLst>
+          </p:cNvPr>
+          <p:cNvSpPr txBox="1"/>
+          <p:nvPr/>
+        </p:nvSpPr>
+        <p:spPr>
+          <a:xfrm>
+            <a:off x="2802708" y="5929856"/>
+            <a:ext cx="1376767" cy="523220"/>
+          </a:xfrm>
+          <a:prstGeom prst="rect">
+            <a:avLst/>
+          </a:prstGeom>
+          <a:noFill/>
+          <a:ln>
+            <a:solidFill>
+              <a:schemeClr val="accent1"/>
+            </a:solidFill>
+          </a:ln>
+        </p:spPr>
+        <p:txBody>
+          <a:bodyPr wrap="square" rtlCol="0">
+            <a:spAutoFit/>
+          </a:bodyPr>
+          <a:lstStyle/>
+          <a:p>
+            <a:pPr algn="ctr"/>
+            <a:r>
+              <a:rPr lang="en-LU" sz="1400" dirty="0"/>
+              <a:t>Help contributions</a:t>
+            </a:r>
+          </a:p>
+        </p:txBody>
+      </p:sp>
+      <p:sp>
+        <p:nvSpPr>
+          <p:cNvPr id="43" name="Arc 42">
+            <a:extLst>
+              <a:ext uri="{FF2B5EF4-FFF2-40B4-BE49-F238E27FC236}">
+                <a16:creationId xmlns:a16="http://schemas.microsoft.com/office/drawing/2014/main" id="{E2E22C5F-8797-37ED-E047-058BE7ADE9C1}"/>
+              </a:ext>
+            </a:extLst>
+          </p:cNvPr>
+          <p:cNvSpPr/>
+          <p:nvPr/>
+        </p:nvSpPr>
+        <p:spPr>
+          <a:xfrm rot="5400000" flipH="1">
+            <a:off x="3495268" y="4817552"/>
+            <a:ext cx="1207228" cy="1578328"/>
+          </a:xfrm>
+          <a:prstGeom prst="arc">
+            <a:avLst>
+              <a:gd name="adj1" fmla="val 10834019"/>
+              <a:gd name="adj2" fmla="val 16359977"/>
+            </a:avLst>
+          </a:prstGeom>
+          <a:ln>
+            <a:solidFill>
+              <a:schemeClr val="accent1"/>
+            </a:solidFill>
+            <a:headEnd type="triangle" w="med" len="med"/>
+            <a:tailEnd type="none" w="med" len="med"/>
+          </a:ln>
+        </p:spPr>
+        <p:style>
+          <a:lnRef idx="1">
+            <a:schemeClr val="accent1"/>
+          </a:lnRef>
+          <a:fillRef idx="0">
+            <a:schemeClr val="accent1"/>
+          </a:fillRef>
+          <a:effectRef idx="0">
+            <a:schemeClr val="accent1"/>
+          </a:effectRef>
+          <a:fontRef idx="minor">
+            <a:schemeClr val="tx1"/>
+          </a:fontRef>
+        </p:style>
+        <p:txBody>
+          <a:bodyPr rtlCol="0" anchor="ctr"/>
+          <a:lstStyle/>
+          <a:p>
+            <a:pPr algn="ctr"/>
+            <a:endParaRPr lang="en-LU"/>
+          </a:p>
+        </p:txBody>
+      </p:sp>
+      <p:sp>
+        <p:nvSpPr>
+          <p:cNvPr id="45" name="TextBox 44">
+            <a:extLst>
+              <a:ext uri="{FF2B5EF4-FFF2-40B4-BE49-F238E27FC236}">
+                <a16:creationId xmlns:a16="http://schemas.microsoft.com/office/drawing/2014/main" id="{F9AC9357-083A-9E37-2772-5DC66EA75F88}"/>
+              </a:ext>
+            </a:extLst>
+          </p:cNvPr>
+          <p:cNvSpPr txBox="1"/>
+          <p:nvPr/>
+        </p:nvSpPr>
+        <p:spPr>
+          <a:xfrm>
+            <a:off x="4760466" y="6265672"/>
+            <a:ext cx="998838" cy="523220"/>
+          </a:xfrm>
+          <a:prstGeom prst="rect">
+            <a:avLst/>
+          </a:prstGeom>
+          <a:noFill/>
+          <a:ln>
+            <a:noFill/>
+          </a:ln>
+        </p:spPr>
+        <p:txBody>
+          <a:bodyPr wrap="square" rtlCol="0">
+            <a:spAutoFit/>
+          </a:bodyPr>
+          <a:lstStyle/>
+          <a:p>
+            <a:r>
+              <a:rPr lang="en-LU" sz="1400" dirty="0"/>
+              <a:t>IPFS &amp; blockchain</a:t>
+            </a:r>
+          </a:p>
+        </p:txBody>
+      </p:sp>
+      <p:cxnSp>
+        <p:nvCxnSpPr>
+          <p:cNvPr id="46" name="Straight Arrow Connector 45">
+            <a:extLst>
+              <a:ext uri="{FF2B5EF4-FFF2-40B4-BE49-F238E27FC236}">
+                <a16:creationId xmlns:a16="http://schemas.microsoft.com/office/drawing/2014/main" id="{7F534241-5EFB-14A3-EEEC-6FB64248C1DB}"/>
+              </a:ext>
+            </a:extLst>
+          </p:cNvPr>
+          <p:cNvCxnSpPr>
+            <a:cxnSpLocks/>
+            <a:stCxn id="42" idx="3"/>
+          </p:cNvCxnSpPr>
+          <p:nvPr/>
+        </p:nvCxnSpPr>
+        <p:spPr>
+          <a:xfrm>
+            <a:off x="4179475" y="6191466"/>
+            <a:ext cx="655132" cy="228095"/>
+          </a:xfrm>
+          <a:prstGeom prst="straightConnector1">
+            <a:avLst/>
+          </a:prstGeom>
+          <a:ln>
+            <a:headEnd type="triangle" w="med" len="med"/>
+            <a:tailEnd type="none" w="med" len="med"/>
+          </a:ln>
+        </p:spPr>
+        <p:style>
+          <a:lnRef idx="1">
+            <a:schemeClr val="accent1"/>
+          </a:lnRef>
+          <a:fillRef idx="0">
+            <a:schemeClr val="accent1"/>
+          </a:fillRef>
+          <a:effectRef idx="0">
+            <a:schemeClr val="accent1"/>
+          </a:effectRef>
+          <a:fontRef idx="minor">
+            <a:schemeClr val="tx1"/>
+          </a:fontRef>
+        </p:style>
+      </p:cxnSp>
+      <p:sp>
+        <p:nvSpPr>
+          <p:cNvPr id="47" name="Arc 46">
+            <a:extLst>
+              <a:ext uri="{FF2B5EF4-FFF2-40B4-BE49-F238E27FC236}">
+                <a16:creationId xmlns:a16="http://schemas.microsoft.com/office/drawing/2014/main" id="{0685E4BB-3515-461E-3864-BA7DAFFF2D83}"/>
+              </a:ext>
+            </a:extLst>
+          </p:cNvPr>
+          <p:cNvSpPr/>
+          <p:nvPr/>
+        </p:nvSpPr>
+        <p:spPr>
+          <a:xfrm rot="16200000">
+            <a:off x="2331832" y="5058900"/>
+            <a:ext cx="999579" cy="1265543"/>
+          </a:xfrm>
+          <a:prstGeom prst="arc">
+            <a:avLst>
+              <a:gd name="adj1" fmla="val 10761720"/>
+              <a:gd name="adj2" fmla="val 16301350"/>
+            </a:avLst>
+          </a:prstGeom>
+          <a:ln>
+            <a:headEnd type="none" w="med" len="med"/>
+            <a:tailEnd type="triangle" w="med" len="med"/>
+          </a:ln>
+        </p:spPr>
+        <p:style>
+          <a:lnRef idx="1">
+            <a:schemeClr val="accent1"/>
+          </a:lnRef>
+          <a:fillRef idx="0">
+            <a:schemeClr val="accent1"/>
+          </a:fillRef>
+          <a:effectRef idx="0">
+            <a:schemeClr val="accent1"/>
+          </a:effectRef>
+          <a:fontRef idx="minor">
+            <a:schemeClr val="tx1"/>
+          </a:fontRef>
+        </p:style>
+        <p:txBody>
+          <a:bodyPr rtlCol="0" anchor="ctr"/>
+          <a:lstStyle/>
+          <a:p>
+            <a:pPr algn="ctr"/>
+            <a:endParaRPr lang="en-LU"/>
+          </a:p>
+        </p:txBody>
+      </p:sp>
+      <p:cxnSp>
+        <p:nvCxnSpPr>
+          <p:cNvPr id="48" name="Elbow Connector 47">
+            <a:extLst>
+              <a:ext uri="{FF2B5EF4-FFF2-40B4-BE49-F238E27FC236}">
+                <a16:creationId xmlns:a16="http://schemas.microsoft.com/office/drawing/2014/main" id="{FD942886-CC71-A4D6-1D79-2BE92BAB332E}"/>
+              </a:ext>
+            </a:extLst>
+          </p:cNvPr>
+          <p:cNvCxnSpPr>
+            <a:cxnSpLocks/>
+            <a:stCxn id="42" idx="1"/>
+            <a:endCxn id="29" idx="2"/>
+          </p:cNvCxnSpPr>
+          <p:nvPr/>
+        </p:nvCxnSpPr>
+        <p:spPr>
+          <a:xfrm rot="10800000">
+            <a:off x="1198400" y="4676358"/>
+            <a:ext cx="1604309" cy="1515108"/>
+          </a:xfrm>
+          <a:prstGeom prst="bentConnector2">
+            <a:avLst/>
+          </a:prstGeom>
+          <a:ln>
+            <a:tailEnd type="triangle"/>
+          </a:ln>
+        </p:spPr>
+        <p:style>
+          <a:lnRef idx="1">
+            <a:schemeClr val="accent1"/>
+          </a:lnRef>
+          <a:fillRef idx="0">
+            <a:schemeClr val="accent1"/>
+          </a:fillRef>
+          <a:effectRef idx="0">
+            <a:schemeClr val="accent1"/>
+          </a:effectRef>
+          <a:fontRef idx="minor">
+            <a:schemeClr val="tx1"/>
+          </a:fontRef>
+        </p:style>
+      </p:cxnSp>
+      <p:cxnSp>
+        <p:nvCxnSpPr>
+          <p:cNvPr id="69" name="Straight Arrow Connector 68">
+            <a:extLst>
+              <a:ext uri="{FF2B5EF4-FFF2-40B4-BE49-F238E27FC236}">
+                <a16:creationId xmlns:a16="http://schemas.microsoft.com/office/drawing/2014/main" id="{87C53594-5256-701A-C5AC-E30B5344795F}"/>
+              </a:ext>
+            </a:extLst>
+          </p:cNvPr>
+          <p:cNvCxnSpPr>
+            <a:cxnSpLocks/>
+            <a:stCxn id="36" idx="0"/>
+            <a:endCxn id="60" idx="1"/>
+          </p:cNvCxnSpPr>
+          <p:nvPr/>
+        </p:nvCxnSpPr>
+        <p:spPr>
+          <a:xfrm flipV="1">
+            <a:off x="4774358" y="3291299"/>
+            <a:ext cx="2587302" cy="1789646"/>
+          </a:xfrm>
+          <a:prstGeom prst="straightConnector1">
+            <a:avLst/>
+          </a:prstGeom>
+          <a:ln>
+            <a:headEnd type="triangle" w="med" len="med"/>
+            <a:tailEnd type="none" w="med" len="med"/>
+          </a:ln>
+        </p:spPr>
+        <p:style>
+          <a:lnRef idx="1">
+            <a:schemeClr val="accent1"/>
+          </a:lnRef>
+          <a:fillRef idx="0">
+            <a:schemeClr val="accent1"/>
+          </a:fillRef>
+          <a:effectRef idx="0">
+            <a:schemeClr val="accent1"/>
+          </a:effectRef>
+          <a:fontRef idx="minor">
+            <a:schemeClr val="tx1"/>
+          </a:fontRef>
+        </p:style>
+      </p:cxnSp>
+      <p:cxnSp>
+        <p:nvCxnSpPr>
+          <p:cNvPr id="94" name="Elbow Connector 93">
+            <a:extLst>
+              <a:ext uri="{FF2B5EF4-FFF2-40B4-BE49-F238E27FC236}">
+                <a16:creationId xmlns:a16="http://schemas.microsoft.com/office/drawing/2014/main" id="{66F115E0-3403-FF5A-70F6-61933154B04B}"/>
+              </a:ext>
+            </a:extLst>
+          </p:cNvPr>
+          <p:cNvCxnSpPr>
+            <a:stCxn id="60" idx="3"/>
+            <a:endCxn id="12" idx="0"/>
+          </p:cNvCxnSpPr>
+          <p:nvPr/>
+        </p:nvCxnSpPr>
+        <p:spPr>
+          <a:xfrm>
+            <a:off x="8363429" y="3291299"/>
+            <a:ext cx="2706528" cy="1764932"/>
           </a:xfrm>
           <a:prstGeom prst="bentConnector2">
             <a:avLst/>
@@ -22828,7 +23453,7 @@
     </p:spTree>
     <p:extLst>
       <p:ext uri="{BB962C8B-B14F-4D97-AF65-F5344CB8AC3E}">
-        <p14:creationId xmlns:p14="http://schemas.microsoft.com/office/powerpoint/2010/main" val="1805982968"/>
+        <p14:creationId xmlns:p14="http://schemas.microsoft.com/office/powerpoint/2010/main" val="3324483775"/>
       </p:ext>
     </p:extLst>
   </p:cSld>

--- a/images/Scenarios of Projects.pptx
+++ b/images/Scenarios of Projects.pptx
@@ -7,11 +7,12 @@
     <p:sldMasterId id="2147483660" r:id="rId3"/>
   </p:sldMasterIdLst>
   <p:notesMasterIdLst>
-    <p:notesMasterId r:id="rId6"/>
+    <p:notesMasterId r:id="rId7"/>
   </p:notesMasterIdLst>
   <p:sldIdLst>
     <p:sldId id="259" r:id="rId4"/>
     <p:sldId id="258" r:id="rId5"/>
+    <p:sldId id="260" r:id="rId6"/>
   </p:sldIdLst>
   <p:sldSz cx="12192000" cy="6858000"/>
   <p:notesSz cx="6858000" cy="9144000"/>
@@ -24486,6 +24487,740 @@
 </p:sld>
 </file>
 
+<file path=ppt/slides/slide3.xml><?xml version="1.0" encoding="utf-8"?>
+<p:sld xmlns:a="http://schemas.openxmlformats.org/drawingml/2006/main" xmlns:r="http://schemas.openxmlformats.org/officeDocument/2006/relationships" xmlns:p="http://schemas.openxmlformats.org/presentationml/2006/main">
+  <p:cSld>
+    <p:spTree>
+      <p:nvGrpSpPr>
+        <p:cNvPr id="1" name="">
+          <a:extLst>
+            <a:ext uri="{FF2B5EF4-FFF2-40B4-BE49-F238E27FC236}">
+              <a16:creationId xmlns:a16="http://schemas.microsoft.com/office/drawing/2014/main" id="{EB7F69EF-2DC1-5EE7-BC71-CAD855895A1B}"/>
+            </a:ext>
+          </a:extLst>
+        </p:cNvPr>
+        <p:cNvGrpSpPr/>
+        <p:nvPr/>
+      </p:nvGrpSpPr>
+      <p:grpSpPr>
+        <a:xfrm>
+          <a:off x="0" y="0"/>
+          <a:ext cx="0" cy="0"/>
+          <a:chOff x="0" y="0"/>
+          <a:chExt cx="0" cy="0"/>
+        </a:xfrm>
+      </p:grpSpPr>
+      <p:sp>
+        <p:nvSpPr>
+          <p:cNvPr id="4" name="Title 3">
+            <a:extLst>
+              <a:ext uri="{FF2B5EF4-FFF2-40B4-BE49-F238E27FC236}">
+                <a16:creationId xmlns:a16="http://schemas.microsoft.com/office/drawing/2014/main" id="{08F4F764-FB40-1345-B1FB-CC1A1CBC914C}"/>
+              </a:ext>
+            </a:extLst>
+          </p:cNvPr>
+          <p:cNvSpPr>
+            <a:spLocks noGrp="1"/>
+          </p:cNvSpPr>
+          <p:nvPr>
+            <p:ph type="title"/>
+          </p:nvPr>
+        </p:nvSpPr>
+        <p:spPr/>
+        <p:txBody>
+          <a:bodyPr/>
+          <a:lstStyle/>
+          <a:p>
+            <a:r>
+              <a:rPr lang="en-GB" dirty="0"/>
+              <a:t>Project "</a:t>
+            </a:r>
+            <a:r>
+              <a:rPr lang="en-GB" i="1" dirty="0"/>
+              <a:t>Good Samaritan</a:t>
+            </a:r>
+            <a:r>
+              <a:rPr lang="en-GB" dirty="0"/>
+              <a:t>" - </a:t>
+            </a:r>
+            <a:r>
+              <a:rPr lang="en-LU" dirty="0"/>
+              <a:t>Risk-Sharing</a:t>
+            </a:r>
+          </a:p>
+        </p:txBody>
+      </p:sp>
+      <p:sp>
+        <p:nvSpPr>
+          <p:cNvPr id="60" name="TextBox 59">
+            <a:extLst>
+              <a:ext uri="{FF2B5EF4-FFF2-40B4-BE49-F238E27FC236}">
+                <a16:creationId xmlns:a16="http://schemas.microsoft.com/office/drawing/2014/main" id="{EE725851-ECD7-B5AE-AFA1-793D3D620707}"/>
+              </a:ext>
+            </a:extLst>
+          </p:cNvPr>
+          <p:cNvSpPr txBox="1"/>
+          <p:nvPr/>
+        </p:nvSpPr>
+        <p:spPr>
+          <a:xfrm>
+            <a:off x="7044683" y="1079291"/>
+            <a:ext cx="1001769" cy="307777"/>
+          </a:xfrm>
+          <a:prstGeom prst="rect">
+            <a:avLst/>
+          </a:prstGeom>
+          <a:noFill/>
+          <a:ln>
+            <a:noFill/>
+          </a:ln>
+        </p:spPr>
+        <p:txBody>
+          <a:bodyPr wrap="square" rtlCol="0">
+            <a:spAutoFit/>
+          </a:bodyPr>
+          <a:lstStyle/>
+          <a:p>
+            <a:r>
+              <a:rPr lang="en-LU" sz="1400" dirty="0"/>
+              <a:t>Vector DB</a:t>
+            </a:r>
+          </a:p>
+        </p:txBody>
+      </p:sp>
+      <p:sp>
+        <p:nvSpPr>
+          <p:cNvPr id="7" name="TextBox 6">
+            <a:extLst>
+              <a:ext uri="{FF2B5EF4-FFF2-40B4-BE49-F238E27FC236}">
+                <a16:creationId xmlns:a16="http://schemas.microsoft.com/office/drawing/2014/main" id="{08534F2A-14C0-F0F6-11D9-0C48A22C526F}"/>
+              </a:ext>
+            </a:extLst>
+          </p:cNvPr>
+          <p:cNvSpPr txBox="1"/>
+          <p:nvPr/>
+        </p:nvSpPr>
+        <p:spPr>
+          <a:xfrm>
+            <a:off x="1431861" y="1445958"/>
+            <a:ext cx="1376767" cy="523220"/>
+          </a:xfrm>
+          <a:prstGeom prst="rect">
+            <a:avLst/>
+          </a:prstGeom>
+          <a:noFill/>
+          <a:ln>
+            <a:noFill/>
+          </a:ln>
+        </p:spPr>
+        <p:txBody>
+          <a:bodyPr wrap="square" rtlCol="0">
+            <a:spAutoFit/>
+          </a:bodyPr>
+          <a:lstStyle/>
+          <a:p>
+            <a:r>
+              <a:rPr lang="en-LU" sz="1400" b="1" dirty="0"/>
+              <a:t>Persons in Need in distress</a:t>
+            </a:r>
+          </a:p>
+        </p:txBody>
+      </p:sp>
+      <p:sp>
+        <p:nvSpPr>
+          <p:cNvPr id="8" name="TextBox 7">
+            <a:extLst>
+              <a:ext uri="{FF2B5EF4-FFF2-40B4-BE49-F238E27FC236}">
+                <a16:creationId xmlns:a16="http://schemas.microsoft.com/office/drawing/2014/main" id="{DDDE51F1-8137-38E2-1D45-5EBF6B5EF0AF}"/>
+              </a:ext>
+            </a:extLst>
+          </p:cNvPr>
+          <p:cNvSpPr txBox="1"/>
+          <p:nvPr/>
+        </p:nvSpPr>
+        <p:spPr>
+          <a:xfrm>
+            <a:off x="2960712" y="1942329"/>
+            <a:ext cx="1025012" cy="523220"/>
+          </a:xfrm>
+          <a:prstGeom prst="rect">
+            <a:avLst/>
+          </a:prstGeom>
+          <a:noFill/>
+          <a:ln>
+            <a:solidFill>
+              <a:schemeClr val="accent1"/>
+            </a:solidFill>
+          </a:ln>
+        </p:spPr>
+        <p:txBody>
+          <a:bodyPr wrap="square" rtlCol="0" anchor="ctr" anchorCtr="0">
+            <a:noAutofit/>
+          </a:bodyPr>
+          <a:lstStyle/>
+          <a:p>
+            <a:pPr algn="ctr"/>
+            <a:r>
+              <a:rPr lang="en-LU" sz="1400" dirty="0"/>
+              <a:t>Initial State</a:t>
+            </a:r>
+          </a:p>
+        </p:txBody>
+      </p:sp>
+      <p:cxnSp>
+        <p:nvCxnSpPr>
+          <p:cNvPr id="9" name="Straight Arrow Connector 8">
+            <a:extLst>
+              <a:ext uri="{FF2B5EF4-FFF2-40B4-BE49-F238E27FC236}">
+                <a16:creationId xmlns:a16="http://schemas.microsoft.com/office/drawing/2014/main" id="{496CED4D-29CE-471D-1522-22B1D1377A2A}"/>
+              </a:ext>
+            </a:extLst>
+          </p:cNvPr>
+          <p:cNvCxnSpPr>
+            <a:cxnSpLocks/>
+            <a:stCxn id="7" idx="3"/>
+            <a:endCxn id="11" idx="0"/>
+          </p:cNvCxnSpPr>
+          <p:nvPr/>
+        </p:nvCxnSpPr>
+        <p:spPr>
+          <a:xfrm>
+            <a:off x="2808628" y="1707568"/>
+            <a:ext cx="559717" cy="268341"/>
+          </a:xfrm>
+          <a:prstGeom prst="straightConnector1">
+            <a:avLst/>
+          </a:prstGeom>
+          <a:ln>
+            <a:tailEnd type="triangle"/>
+          </a:ln>
+        </p:spPr>
+        <p:style>
+          <a:lnRef idx="1">
+            <a:schemeClr val="accent1"/>
+          </a:lnRef>
+          <a:fillRef idx="0">
+            <a:schemeClr val="accent1"/>
+          </a:fillRef>
+          <a:effectRef idx="0">
+            <a:schemeClr val="accent1"/>
+          </a:effectRef>
+          <a:fontRef idx="minor">
+            <a:schemeClr val="tx1"/>
+          </a:fontRef>
+        </p:style>
+      </p:cxnSp>
+      <p:sp>
+        <p:nvSpPr>
+          <p:cNvPr id="10" name="TextBox 9">
+            <a:extLst>
+              <a:ext uri="{FF2B5EF4-FFF2-40B4-BE49-F238E27FC236}">
+                <a16:creationId xmlns:a16="http://schemas.microsoft.com/office/drawing/2014/main" id="{3F9A60AF-F37F-752B-64DC-24FE3ECF71F7}"/>
+              </a:ext>
+            </a:extLst>
+          </p:cNvPr>
+          <p:cNvSpPr txBox="1"/>
+          <p:nvPr/>
+        </p:nvSpPr>
+        <p:spPr>
+          <a:xfrm>
+            <a:off x="4044395" y="1125458"/>
+            <a:ext cx="1376767" cy="523220"/>
+          </a:xfrm>
+          <a:prstGeom prst="rect">
+            <a:avLst/>
+          </a:prstGeom>
+          <a:noFill/>
+          <a:ln>
+            <a:solidFill>
+              <a:schemeClr val="accent1"/>
+            </a:solidFill>
+          </a:ln>
+        </p:spPr>
+        <p:txBody>
+          <a:bodyPr wrap="square" rtlCol="0">
+            <a:spAutoFit/>
+          </a:bodyPr>
+          <a:lstStyle/>
+          <a:p>
+            <a:pPr algn="ctr"/>
+            <a:r>
+              <a:rPr lang="en-LU" sz="1400" dirty="0"/>
+              <a:t>Calculate Embedding</a:t>
+            </a:r>
+          </a:p>
+        </p:txBody>
+      </p:sp>
+      <p:sp>
+        <p:nvSpPr>
+          <p:cNvPr id="11" name="Arc 10">
+            <a:extLst>
+              <a:ext uri="{FF2B5EF4-FFF2-40B4-BE49-F238E27FC236}">
+                <a16:creationId xmlns:a16="http://schemas.microsoft.com/office/drawing/2014/main" id="{0BA8C7ED-0B03-4FAF-980A-69AEA35B3456}"/>
+              </a:ext>
+            </a:extLst>
+          </p:cNvPr>
+          <p:cNvSpPr/>
+          <p:nvPr/>
+        </p:nvSpPr>
+        <p:spPr>
+          <a:xfrm rot="16200000">
+            <a:off x="3542031" y="1272248"/>
+            <a:ext cx="1051629" cy="1399046"/>
+          </a:xfrm>
+          <a:prstGeom prst="arc">
+            <a:avLst>
+              <a:gd name="adj1" fmla="val 16179668"/>
+              <a:gd name="adj2" fmla="val 0"/>
+            </a:avLst>
+          </a:prstGeom>
+          <a:ln>
+            <a:headEnd type="none" w="med" len="med"/>
+            <a:tailEnd type="triangle" w="med" len="med"/>
+          </a:ln>
+        </p:spPr>
+        <p:style>
+          <a:lnRef idx="1">
+            <a:schemeClr val="accent1"/>
+          </a:lnRef>
+          <a:fillRef idx="0">
+            <a:schemeClr val="accent1"/>
+          </a:fillRef>
+          <a:effectRef idx="0">
+            <a:schemeClr val="accent1"/>
+          </a:effectRef>
+          <a:fontRef idx="minor">
+            <a:schemeClr val="tx1"/>
+          </a:fontRef>
+        </p:style>
+        <p:txBody>
+          <a:bodyPr rtlCol="0" anchor="ctr"/>
+          <a:lstStyle/>
+          <a:p>
+            <a:pPr algn="ctr"/>
+            <a:endParaRPr lang="en-LU"/>
+          </a:p>
+        </p:txBody>
+      </p:sp>
+      <p:sp>
+        <p:nvSpPr>
+          <p:cNvPr id="12" name="TextBox 11">
+            <a:extLst>
+              <a:ext uri="{FF2B5EF4-FFF2-40B4-BE49-F238E27FC236}">
+                <a16:creationId xmlns:a16="http://schemas.microsoft.com/office/drawing/2014/main" id="{8BBF8CBB-D745-9472-799C-F270C027D1B5}"/>
+              </a:ext>
+            </a:extLst>
+          </p:cNvPr>
+          <p:cNvSpPr txBox="1"/>
+          <p:nvPr/>
+        </p:nvSpPr>
+        <p:spPr>
+          <a:xfrm>
+            <a:off x="5475940" y="1942328"/>
+            <a:ext cx="1376767" cy="523220"/>
+          </a:xfrm>
+          <a:prstGeom prst="rect">
+            <a:avLst/>
+          </a:prstGeom>
+          <a:noFill/>
+          <a:ln>
+            <a:solidFill>
+              <a:schemeClr val="accent1"/>
+            </a:solidFill>
+          </a:ln>
+        </p:spPr>
+        <p:txBody>
+          <a:bodyPr wrap="square" rtlCol="0">
+            <a:spAutoFit/>
+          </a:bodyPr>
+          <a:lstStyle/>
+          <a:p>
+            <a:pPr algn="ctr"/>
+            <a:r>
+              <a:rPr lang="en-LU" sz="1400" dirty="0"/>
+              <a:t>Retrieve neighbours</a:t>
+            </a:r>
+          </a:p>
+        </p:txBody>
+      </p:sp>
+      <p:sp>
+        <p:nvSpPr>
+          <p:cNvPr id="13" name="Arc 12">
+            <a:extLst>
+              <a:ext uri="{FF2B5EF4-FFF2-40B4-BE49-F238E27FC236}">
+                <a16:creationId xmlns:a16="http://schemas.microsoft.com/office/drawing/2014/main" id="{933EE400-88BA-AF5C-1568-9A42BCCB83A0}"/>
+              </a:ext>
+            </a:extLst>
+          </p:cNvPr>
+          <p:cNvSpPr/>
+          <p:nvPr/>
+        </p:nvSpPr>
+        <p:spPr>
+          <a:xfrm rot="5400000" flipH="1">
+            <a:off x="4651254" y="1054535"/>
+            <a:ext cx="1110520" cy="1775587"/>
+          </a:xfrm>
+          <a:prstGeom prst="arc">
+            <a:avLst/>
+          </a:prstGeom>
+          <a:ln>
+            <a:solidFill>
+              <a:schemeClr val="accent1"/>
+            </a:solidFill>
+            <a:headEnd type="triangle" w="med" len="med"/>
+            <a:tailEnd type="none" w="med" len="med"/>
+          </a:ln>
+        </p:spPr>
+        <p:style>
+          <a:lnRef idx="1">
+            <a:schemeClr val="accent1"/>
+          </a:lnRef>
+          <a:fillRef idx="0">
+            <a:schemeClr val="accent1"/>
+          </a:fillRef>
+          <a:effectRef idx="0">
+            <a:schemeClr val="accent1"/>
+          </a:effectRef>
+          <a:fontRef idx="minor">
+            <a:schemeClr val="tx1"/>
+          </a:fontRef>
+        </p:style>
+        <p:txBody>
+          <a:bodyPr rtlCol="0" anchor="ctr"/>
+          <a:lstStyle/>
+          <a:p>
+            <a:pPr algn="ctr"/>
+            <a:endParaRPr lang="en-LU"/>
+          </a:p>
+        </p:txBody>
+      </p:sp>
+      <p:sp>
+        <p:nvSpPr>
+          <p:cNvPr id="15" name="TextBox 14">
+            <a:extLst>
+              <a:ext uri="{FF2B5EF4-FFF2-40B4-BE49-F238E27FC236}">
+                <a16:creationId xmlns:a16="http://schemas.microsoft.com/office/drawing/2014/main" id="{98BF2ADF-04C8-66A1-2334-DA336EF2DA1D}"/>
+              </a:ext>
+            </a:extLst>
+          </p:cNvPr>
+          <p:cNvSpPr txBox="1"/>
+          <p:nvPr/>
+        </p:nvSpPr>
+        <p:spPr>
+          <a:xfrm>
+            <a:off x="3717151" y="2791239"/>
+            <a:ext cx="1775585" cy="523220"/>
+          </a:xfrm>
+          <a:prstGeom prst="rect">
+            <a:avLst/>
+          </a:prstGeom>
+          <a:noFill/>
+          <a:ln>
+            <a:solidFill>
+              <a:schemeClr val="accent1"/>
+            </a:solidFill>
+          </a:ln>
+        </p:spPr>
+        <p:txBody>
+          <a:bodyPr wrap="square" rtlCol="0">
+            <a:spAutoFit/>
+          </a:bodyPr>
+          <a:lstStyle/>
+          <a:p>
+            <a:pPr algn="ctr"/>
+            <a:r>
+              <a:rPr lang="en-LU" sz="1400" dirty="0"/>
+              <a:t>Calculate &amp; retrieve contributions</a:t>
+            </a:r>
+          </a:p>
+        </p:txBody>
+      </p:sp>
+      <p:sp>
+        <p:nvSpPr>
+          <p:cNvPr id="16" name="Arc 15">
+            <a:extLst>
+              <a:ext uri="{FF2B5EF4-FFF2-40B4-BE49-F238E27FC236}">
+                <a16:creationId xmlns:a16="http://schemas.microsoft.com/office/drawing/2014/main" id="{BFC91B35-5F76-B875-A65C-E25FB0A3DC97}"/>
+              </a:ext>
+            </a:extLst>
+          </p:cNvPr>
+          <p:cNvSpPr/>
+          <p:nvPr/>
+        </p:nvSpPr>
+        <p:spPr>
+          <a:xfrm rot="5400000" flipH="1">
+            <a:off x="4868387" y="1763466"/>
+            <a:ext cx="1207228" cy="1409266"/>
+          </a:xfrm>
+          <a:prstGeom prst="arc">
+            <a:avLst>
+              <a:gd name="adj1" fmla="val 10834019"/>
+              <a:gd name="adj2" fmla="val 16286875"/>
+            </a:avLst>
+          </a:prstGeom>
+          <a:ln>
+            <a:solidFill>
+              <a:schemeClr val="accent1"/>
+            </a:solidFill>
+            <a:headEnd type="triangle" w="med" len="med"/>
+            <a:tailEnd type="none" w="med" len="med"/>
+          </a:ln>
+        </p:spPr>
+        <p:style>
+          <a:lnRef idx="1">
+            <a:schemeClr val="accent1"/>
+          </a:lnRef>
+          <a:fillRef idx="0">
+            <a:schemeClr val="accent1"/>
+          </a:fillRef>
+          <a:effectRef idx="0">
+            <a:schemeClr val="accent1"/>
+          </a:effectRef>
+          <a:fontRef idx="minor">
+            <a:schemeClr val="tx1"/>
+          </a:fontRef>
+        </p:style>
+        <p:txBody>
+          <a:bodyPr rtlCol="0" anchor="ctr"/>
+          <a:lstStyle/>
+          <a:p>
+            <a:pPr algn="ctr"/>
+            <a:endParaRPr lang="en-LU"/>
+          </a:p>
+        </p:txBody>
+      </p:sp>
+      <p:sp>
+        <p:nvSpPr>
+          <p:cNvPr id="17" name="TextBox 16">
+            <a:extLst>
+              <a:ext uri="{FF2B5EF4-FFF2-40B4-BE49-F238E27FC236}">
+                <a16:creationId xmlns:a16="http://schemas.microsoft.com/office/drawing/2014/main" id="{90E0E045-D3C7-5907-4B3A-DAF3CF2C867D}"/>
+              </a:ext>
+            </a:extLst>
+          </p:cNvPr>
+          <p:cNvSpPr txBox="1"/>
+          <p:nvPr/>
+        </p:nvSpPr>
+        <p:spPr>
+          <a:xfrm>
+            <a:off x="7169226" y="2899867"/>
+            <a:ext cx="998838" cy="523220"/>
+          </a:xfrm>
+          <a:prstGeom prst="rect">
+            <a:avLst/>
+          </a:prstGeom>
+          <a:noFill/>
+          <a:ln>
+            <a:noFill/>
+          </a:ln>
+        </p:spPr>
+        <p:txBody>
+          <a:bodyPr wrap="square" rtlCol="0">
+            <a:spAutoFit/>
+          </a:bodyPr>
+          <a:lstStyle/>
+          <a:p>
+            <a:r>
+              <a:rPr lang="en-LU" sz="1400" dirty="0"/>
+              <a:t>IPFS &amp; blockchain</a:t>
+            </a:r>
+          </a:p>
+        </p:txBody>
+      </p:sp>
+      <p:cxnSp>
+        <p:nvCxnSpPr>
+          <p:cNvPr id="18" name="Straight Arrow Connector 17">
+            <a:extLst>
+              <a:ext uri="{FF2B5EF4-FFF2-40B4-BE49-F238E27FC236}">
+                <a16:creationId xmlns:a16="http://schemas.microsoft.com/office/drawing/2014/main" id="{B08FCEE8-24CE-8527-0123-19D2CD2AE954}"/>
+              </a:ext>
+            </a:extLst>
+          </p:cNvPr>
+          <p:cNvCxnSpPr>
+            <a:cxnSpLocks/>
+            <a:stCxn id="15" idx="3"/>
+            <a:endCxn id="17" idx="1"/>
+          </p:cNvCxnSpPr>
+          <p:nvPr/>
+        </p:nvCxnSpPr>
+        <p:spPr>
+          <a:xfrm>
+            <a:off x="5492736" y="3052849"/>
+            <a:ext cx="1676490" cy="108628"/>
+          </a:xfrm>
+          <a:prstGeom prst="straightConnector1">
+            <a:avLst/>
+          </a:prstGeom>
+          <a:ln>
+            <a:headEnd type="triangle" w="med" len="med"/>
+            <a:tailEnd type="none" w="med" len="med"/>
+          </a:ln>
+        </p:spPr>
+        <p:style>
+          <a:lnRef idx="1">
+            <a:schemeClr val="accent1"/>
+          </a:lnRef>
+          <a:fillRef idx="0">
+            <a:schemeClr val="accent1"/>
+          </a:fillRef>
+          <a:effectRef idx="0">
+            <a:schemeClr val="accent1"/>
+          </a:effectRef>
+          <a:fontRef idx="minor">
+            <a:schemeClr val="tx1"/>
+          </a:fontRef>
+        </p:style>
+      </p:cxnSp>
+      <p:sp>
+        <p:nvSpPr>
+          <p:cNvPr id="19" name="Arc 18">
+            <a:extLst>
+              <a:ext uri="{FF2B5EF4-FFF2-40B4-BE49-F238E27FC236}">
+                <a16:creationId xmlns:a16="http://schemas.microsoft.com/office/drawing/2014/main" id="{49534933-F01F-D7C5-CB4D-0F624A8891E0}"/>
+              </a:ext>
+            </a:extLst>
+          </p:cNvPr>
+          <p:cNvSpPr/>
+          <p:nvPr/>
+        </p:nvSpPr>
+        <p:spPr>
+          <a:xfrm rot="16200000">
+            <a:off x="3177637" y="2186086"/>
+            <a:ext cx="1077657" cy="655863"/>
+          </a:xfrm>
+          <a:prstGeom prst="arc">
+            <a:avLst>
+              <a:gd name="adj1" fmla="val 10761720"/>
+              <a:gd name="adj2" fmla="val 16301350"/>
+            </a:avLst>
+          </a:prstGeom>
+          <a:ln>
+            <a:headEnd type="none" w="med" len="med"/>
+            <a:tailEnd type="triangle" w="med" len="med"/>
+          </a:ln>
+        </p:spPr>
+        <p:style>
+          <a:lnRef idx="1">
+            <a:schemeClr val="accent1"/>
+          </a:lnRef>
+          <a:fillRef idx="0">
+            <a:schemeClr val="accent1"/>
+          </a:fillRef>
+          <a:effectRef idx="0">
+            <a:schemeClr val="accent1"/>
+          </a:effectRef>
+          <a:fontRef idx="minor">
+            <a:schemeClr val="tx1"/>
+          </a:fontRef>
+        </p:style>
+        <p:txBody>
+          <a:bodyPr rtlCol="0" anchor="ctr"/>
+          <a:lstStyle/>
+          <a:p>
+            <a:pPr algn="ctr"/>
+            <a:endParaRPr lang="en-LU"/>
+          </a:p>
+        </p:txBody>
+      </p:sp>
+      <p:cxnSp>
+        <p:nvCxnSpPr>
+          <p:cNvPr id="20" name="Elbow Connector 19">
+            <a:extLst>
+              <a:ext uri="{FF2B5EF4-FFF2-40B4-BE49-F238E27FC236}">
+                <a16:creationId xmlns:a16="http://schemas.microsoft.com/office/drawing/2014/main" id="{A89972C6-E367-C2D0-1172-9FC1EAE1601D}"/>
+              </a:ext>
+            </a:extLst>
+          </p:cNvPr>
+          <p:cNvCxnSpPr>
+            <a:cxnSpLocks/>
+            <a:stCxn id="15" idx="1"/>
+            <a:endCxn id="7" idx="2"/>
+          </p:cNvCxnSpPr>
+          <p:nvPr/>
+        </p:nvCxnSpPr>
+        <p:spPr>
+          <a:xfrm rot="10800000">
+            <a:off x="2120245" y="1969179"/>
+            <a:ext cx="1596906" cy="1083671"/>
+          </a:xfrm>
+          <a:prstGeom prst="bentConnector2">
+            <a:avLst/>
+          </a:prstGeom>
+          <a:ln>
+            <a:tailEnd type="triangle"/>
+          </a:ln>
+        </p:spPr>
+        <p:style>
+          <a:lnRef idx="1">
+            <a:schemeClr val="accent1"/>
+          </a:lnRef>
+          <a:fillRef idx="0">
+            <a:schemeClr val="accent1"/>
+          </a:fillRef>
+          <a:effectRef idx="0">
+            <a:schemeClr val="accent1"/>
+          </a:effectRef>
+          <a:fontRef idx="minor">
+            <a:schemeClr val="tx1"/>
+          </a:fontRef>
+        </p:style>
+      </p:cxnSp>
+      <p:cxnSp>
+        <p:nvCxnSpPr>
+          <p:cNvPr id="94" name="Elbow Connector 93">
+            <a:extLst>
+              <a:ext uri="{FF2B5EF4-FFF2-40B4-BE49-F238E27FC236}">
+                <a16:creationId xmlns:a16="http://schemas.microsoft.com/office/drawing/2014/main" id="{4C05228E-36F0-E7C2-FB8F-2C7AB185296E}"/>
+              </a:ext>
+            </a:extLst>
+          </p:cNvPr>
+          <p:cNvCxnSpPr>
+            <a:cxnSpLocks/>
+            <a:stCxn id="60" idx="1"/>
+            <a:endCxn id="12" idx="0"/>
+          </p:cNvCxnSpPr>
+          <p:nvPr/>
+        </p:nvCxnSpPr>
+        <p:spPr>
+          <a:xfrm rot="10800000" flipV="1">
+            <a:off x="6164325" y="1233180"/>
+            <a:ext cx="880359" cy="709148"/>
+          </a:xfrm>
+          <a:prstGeom prst="bentConnector2">
+            <a:avLst/>
+          </a:prstGeom>
+          <a:ln>
+            <a:tailEnd type="triangle"/>
+          </a:ln>
+        </p:spPr>
+        <p:style>
+          <a:lnRef idx="1">
+            <a:schemeClr val="accent1"/>
+          </a:lnRef>
+          <a:fillRef idx="0">
+            <a:schemeClr val="accent1"/>
+          </a:fillRef>
+          <a:effectRef idx="0">
+            <a:schemeClr val="accent1"/>
+          </a:effectRef>
+          <a:fontRef idx="minor">
+            <a:schemeClr val="tx1"/>
+          </a:fontRef>
+        </p:style>
+      </p:cxnSp>
+    </p:spTree>
+    <p:extLst>
+      <p:ext uri="{BB962C8B-B14F-4D97-AF65-F5344CB8AC3E}">
+        <p14:creationId xmlns:p14="http://schemas.microsoft.com/office/powerpoint/2010/main" val="3565415836"/>
+      </p:ext>
+    </p:extLst>
+  </p:cSld>
+  <p:clrMapOvr>
+    <a:masterClrMapping/>
+  </p:clrMapOvr>
+</p:sld>
+</file>
+
 <file path=ppt/theme/theme1.xml><?xml version="1.0" encoding="utf-8"?>
 <a:theme xmlns:a="http://schemas.openxmlformats.org/drawingml/2006/main" name="Office Theme">
   <a:themeElements>
